--- a/latex/myfigure/演示文稿2.pptx
+++ b/latex/myfigure/演示文稿2.pptx
@@ -2,12 +2,12 @@
 <file path=ppt/presentation.xml><?xml version="1.0" encoding="utf-8"?>
 <p:presentation xmlns:a="http://schemas.openxmlformats.org/drawingml/2006/main" xmlns:r="http://schemas.openxmlformats.org/officeDocument/2006/relationships" xmlns:p="http://schemas.openxmlformats.org/presentationml/2006/main" saveSubsetFonts="1">
   <p:sldMasterIdLst>
-    <p:sldMasterId id="2147483660" r:id="rId1"/>
+    <p:sldMasterId id="2147483696" r:id="rId1"/>
   </p:sldMasterIdLst>
   <p:sldIdLst>
     <p:sldId id="257" r:id="rId2"/>
   </p:sldIdLst>
-  <p:sldSz cx="9036050" cy="3743325"/>
+  <p:sldSz cx="10583863" cy="3743325"/>
   <p:notesSz cx="6858000" cy="9144000"/>
   <p:defaultTextStyle>
     <a:defPPr>
@@ -112,7 +112,7 @@
             <a:srgbClr val="A4A3A4"/>
           </p15:clr>
         </p15:guide>
-        <p15:guide id="2" pos="2829" userDrawn="1">
+        <p15:guide id="2" pos="3312" userDrawn="1">
           <p15:clr>
             <a:srgbClr val="A4A3A4"/>
           </p15:clr>
@@ -152,8 +152,8 @@
         </p:nvSpPr>
         <p:spPr>
           <a:xfrm>
-            <a:off x="1129506" y="612623"/>
-            <a:ext cx="6777038" cy="1303232"/>
+            <a:off x="1322983" y="612623"/>
+            <a:ext cx="7937897" cy="1303232"/>
           </a:xfrm>
         </p:spPr>
         <p:txBody>
@@ -184,8 +184,8 @@
         </p:nvSpPr>
         <p:spPr>
           <a:xfrm>
-            <a:off x="1129506" y="1966112"/>
-            <a:ext cx="6777038" cy="903770"/>
+            <a:off x="1322983" y="1966112"/>
+            <a:ext cx="7937897" cy="903770"/>
           </a:xfrm>
         </p:spPr>
         <p:txBody>
@@ -254,7 +254,7 @@
           <a:p>
             <a:fld id="{99094E45-2CAF-4FEC-887A-A540D8B20178}" type="datetimeFigureOut">
               <a:rPr lang="zh-CN" altLang="en-US" smtClean="0"/>
-              <a:t>2019/2/28</a:t>
+              <a:t>2019/4/3</a:t>
             </a:fld>
             <a:endParaRPr lang="zh-CN" altLang="en-US"/>
           </a:p>
@@ -305,7 +305,7 @@
     </p:spTree>
     <p:extLst>
       <p:ext uri="{BB962C8B-B14F-4D97-AF65-F5344CB8AC3E}">
-        <p14:creationId xmlns:p14="http://schemas.microsoft.com/office/powerpoint/2010/main" val="2879633757"/>
+        <p14:creationId xmlns:p14="http://schemas.microsoft.com/office/powerpoint/2010/main" val="486563898"/>
       </p:ext>
     </p:extLst>
   </p:cSld>
@@ -424,7 +424,7 @@
           <a:p>
             <a:fld id="{99094E45-2CAF-4FEC-887A-A540D8B20178}" type="datetimeFigureOut">
               <a:rPr lang="zh-CN" altLang="en-US" smtClean="0"/>
-              <a:t>2019/2/28</a:t>
+              <a:t>2019/4/3</a:t>
             </a:fld>
             <a:endParaRPr lang="zh-CN" altLang="en-US"/>
           </a:p>
@@ -475,7 +475,7 @@
     </p:spTree>
     <p:extLst>
       <p:ext uri="{BB962C8B-B14F-4D97-AF65-F5344CB8AC3E}">
-        <p14:creationId xmlns:p14="http://schemas.microsoft.com/office/powerpoint/2010/main" val="1863551996"/>
+        <p14:creationId xmlns:p14="http://schemas.microsoft.com/office/powerpoint/2010/main" val="2794777737"/>
       </p:ext>
     </p:extLst>
   </p:cSld>
@@ -514,8 +514,8 @@
         </p:nvSpPr>
         <p:spPr>
           <a:xfrm>
-            <a:off x="6466423" y="199297"/>
-            <a:ext cx="1948398" cy="3172295"/>
+            <a:off x="7574077" y="199297"/>
+            <a:ext cx="2282145" cy="3172295"/>
           </a:xfrm>
         </p:spPr>
         <p:txBody>
@@ -542,8 +542,8 @@
         </p:nvSpPr>
         <p:spPr>
           <a:xfrm>
-            <a:off x="621229" y="199297"/>
-            <a:ext cx="5732244" cy="3172295"/>
+            <a:off x="727641" y="199297"/>
+            <a:ext cx="6714138" cy="3172295"/>
           </a:xfrm>
         </p:spPr>
         <p:txBody>
@@ -604,7 +604,7 @@
           <a:p>
             <a:fld id="{99094E45-2CAF-4FEC-887A-A540D8B20178}" type="datetimeFigureOut">
               <a:rPr lang="zh-CN" altLang="en-US" smtClean="0"/>
-              <a:t>2019/2/28</a:t>
+              <a:t>2019/4/3</a:t>
             </a:fld>
             <a:endParaRPr lang="zh-CN" altLang="en-US"/>
           </a:p>
@@ -655,7 +655,7 @@
     </p:spTree>
     <p:extLst>
       <p:ext uri="{BB962C8B-B14F-4D97-AF65-F5344CB8AC3E}">
-        <p14:creationId xmlns:p14="http://schemas.microsoft.com/office/powerpoint/2010/main" val="3468341558"/>
+        <p14:creationId xmlns:p14="http://schemas.microsoft.com/office/powerpoint/2010/main" val="1975526780"/>
       </p:ext>
     </p:extLst>
   </p:cSld>
@@ -774,7 +774,7 @@
           <a:p>
             <a:fld id="{99094E45-2CAF-4FEC-887A-A540D8B20178}" type="datetimeFigureOut">
               <a:rPr lang="zh-CN" altLang="en-US" smtClean="0"/>
-              <a:t>2019/2/28</a:t>
+              <a:t>2019/4/3</a:t>
             </a:fld>
             <a:endParaRPr lang="zh-CN" altLang="en-US"/>
           </a:p>
@@ -825,7 +825,7 @@
     </p:spTree>
     <p:extLst>
       <p:ext uri="{BB962C8B-B14F-4D97-AF65-F5344CB8AC3E}">
-        <p14:creationId xmlns:p14="http://schemas.microsoft.com/office/powerpoint/2010/main" val="1616333794"/>
+        <p14:creationId xmlns:p14="http://schemas.microsoft.com/office/powerpoint/2010/main" val="757699542"/>
       </p:ext>
     </p:extLst>
   </p:cSld>
@@ -864,8 +864,8 @@
         </p:nvSpPr>
         <p:spPr>
           <a:xfrm>
-            <a:off x="616522" y="933232"/>
-            <a:ext cx="7793593" cy="1557119"/>
+            <a:off x="722128" y="933232"/>
+            <a:ext cx="9128582" cy="1557119"/>
           </a:xfrm>
         </p:spPr>
         <p:txBody>
@@ -896,8 +896,8 @@
         </p:nvSpPr>
         <p:spPr>
           <a:xfrm>
-            <a:off x="616522" y="2505082"/>
-            <a:ext cx="7793593" cy="818852"/>
+            <a:off x="722128" y="2505082"/>
+            <a:ext cx="9128582" cy="818852"/>
           </a:xfrm>
         </p:spPr>
         <p:txBody>
@@ -1020,7 +1020,7 @@
           <a:p>
             <a:fld id="{99094E45-2CAF-4FEC-887A-A540D8B20178}" type="datetimeFigureOut">
               <a:rPr lang="zh-CN" altLang="en-US" smtClean="0"/>
-              <a:t>2019/2/28</a:t>
+              <a:t>2019/4/3</a:t>
             </a:fld>
             <a:endParaRPr lang="zh-CN" altLang="en-US"/>
           </a:p>
@@ -1071,7 +1071,7 @@
     </p:spTree>
     <p:extLst>
       <p:ext uri="{BB962C8B-B14F-4D97-AF65-F5344CB8AC3E}">
-        <p14:creationId xmlns:p14="http://schemas.microsoft.com/office/powerpoint/2010/main" val="2358412961"/>
+        <p14:creationId xmlns:p14="http://schemas.microsoft.com/office/powerpoint/2010/main" val="1585254147"/>
       </p:ext>
     </p:extLst>
   </p:cSld>
@@ -1133,8 +1133,8 @@
         </p:nvSpPr>
         <p:spPr>
           <a:xfrm>
-            <a:off x="621229" y="996487"/>
-            <a:ext cx="3840321" cy="2375105"/>
+            <a:off x="727640" y="996487"/>
+            <a:ext cx="4498142" cy="2375105"/>
           </a:xfrm>
         </p:spPr>
         <p:txBody>
@@ -1190,8 +1190,8 @@
         </p:nvSpPr>
         <p:spPr>
           <a:xfrm>
-            <a:off x="4574500" y="996487"/>
-            <a:ext cx="3840321" cy="2375105"/>
+            <a:off x="5358081" y="996487"/>
+            <a:ext cx="4498142" cy="2375105"/>
           </a:xfrm>
         </p:spPr>
         <p:txBody>
@@ -1252,7 +1252,7 @@
           <a:p>
             <a:fld id="{99094E45-2CAF-4FEC-887A-A540D8B20178}" type="datetimeFigureOut">
               <a:rPr lang="zh-CN" altLang="en-US" smtClean="0"/>
-              <a:t>2019/2/28</a:t>
+              <a:t>2019/4/3</a:t>
             </a:fld>
             <a:endParaRPr lang="zh-CN" altLang="en-US"/>
           </a:p>
@@ -1303,7 +1303,7 @@
     </p:spTree>
     <p:extLst>
       <p:ext uri="{BB962C8B-B14F-4D97-AF65-F5344CB8AC3E}">
-        <p14:creationId xmlns:p14="http://schemas.microsoft.com/office/powerpoint/2010/main" val="2912220996"/>
+        <p14:creationId xmlns:p14="http://schemas.microsoft.com/office/powerpoint/2010/main" val="3594737759"/>
       </p:ext>
     </p:extLst>
   </p:cSld>
@@ -1342,8 +1342,8 @@
         </p:nvSpPr>
         <p:spPr>
           <a:xfrm>
-            <a:off x="622405" y="199298"/>
-            <a:ext cx="7793593" cy="723536"/>
+            <a:off x="729019" y="199298"/>
+            <a:ext cx="9128582" cy="723536"/>
           </a:xfrm>
         </p:spPr>
         <p:txBody>
@@ -1370,8 +1370,8 @@
         </p:nvSpPr>
         <p:spPr>
           <a:xfrm>
-            <a:off x="622406" y="917635"/>
-            <a:ext cx="3822672" cy="449719"/>
+            <a:off x="729019" y="917635"/>
+            <a:ext cx="4477470" cy="449719"/>
           </a:xfrm>
         </p:spPr>
         <p:txBody>
@@ -1435,8 +1435,8 @@
         </p:nvSpPr>
         <p:spPr>
           <a:xfrm>
-            <a:off x="622406" y="1367353"/>
-            <a:ext cx="3822672" cy="2011171"/>
+            <a:off x="729019" y="1367353"/>
+            <a:ext cx="4477470" cy="2011171"/>
           </a:xfrm>
         </p:spPr>
         <p:txBody>
@@ -1492,8 +1492,8 @@
         </p:nvSpPr>
         <p:spPr>
           <a:xfrm>
-            <a:off x="4574500" y="917635"/>
-            <a:ext cx="3841498" cy="449719"/>
+            <a:off x="5358081" y="917635"/>
+            <a:ext cx="4499520" cy="449719"/>
           </a:xfrm>
         </p:spPr>
         <p:txBody>
@@ -1557,8 +1557,8 @@
         </p:nvSpPr>
         <p:spPr>
           <a:xfrm>
-            <a:off x="4574500" y="1367353"/>
-            <a:ext cx="3841498" cy="2011171"/>
+            <a:off x="5358081" y="1367353"/>
+            <a:ext cx="4499520" cy="2011171"/>
           </a:xfrm>
         </p:spPr>
         <p:txBody>
@@ -1619,7 +1619,7 @@
           <a:p>
             <a:fld id="{99094E45-2CAF-4FEC-887A-A540D8B20178}" type="datetimeFigureOut">
               <a:rPr lang="zh-CN" altLang="en-US" smtClean="0"/>
-              <a:t>2019/2/28</a:t>
+              <a:t>2019/4/3</a:t>
             </a:fld>
             <a:endParaRPr lang="zh-CN" altLang="en-US"/>
           </a:p>
@@ -1670,7 +1670,7 @@
     </p:spTree>
     <p:extLst>
       <p:ext uri="{BB962C8B-B14F-4D97-AF65-F5344CB8AC3E}">
-        <p14:creationId xmlns:p14="http://schemas.microsoft.com/office/powerpoint/2010/main" val="570202606"/>
+        <p14:creationId xmlns:p14="http://schemas.microsoft.com/office/powerpoint/2010/main" val="2675904628"/>
       </p:ext>
     </p:extLst>
   </p:cSld>
@@ -1737,7 +1737,7 @@
           <a:p>
             <a:fld id="{99094E45-2CAF-4FEC-887A-A540D8B20178}" type="datetimeFigureOut">
               <a:rPr lang="zh-CN" altLang="en-US" smtClean="0"/>
-              <a:t>2019/2/28</a:t>
+              <a:t>2019/4/3</a:t>
             </a:fld>
             <a:endParaRPr lang="zh-CN" altLang="en-US"/>
           </a:p>
@@ -1788,7 +1788,7 @@
     </p:spTree>
     <p:extLst>
       <p:ext uri="{BB962C8B-B14F-4D97-AF65-F5344CB8AC3E}">
-        <p14:creationId xmlns:p14="http://schemas.microsoft.com/office/powerpoint/2010/main" val="1547721282"/>
+        <p14:creationId xmlns:p14="http://schemas.microsoft.com/office/powerpoint/2010/main" val="1738953482"/>
       </p:ext>
     </p:extLst>
   </p:cSld>
@@ -1832,7 +1832,7 @@
           <a:p>
             <a:fld id="{99094E45-2CAF-4FEC-887A-A540D8B20178}" type="datetimeFigureOut">
               <a:rPr lang="zh-CN" altLang="en-US" smtClean="0"/>
-              <a:t>2019/2/28</a:t>
+              <a:t>2019/4/3</a:t>
             </a:fld>
             <a:endParaRPr lang="zh-CN" altLang="en-US"/>
           </a:p>
@@ -1883,7 +1883,7 @@
     </p:spTree>
     <p:extLst>
       <p:ext uri="{BB962C8B-B14F-4D97-AF65-F5344CB8AC3E}">
-        <p14:creationId xmlns:p14="http://schemas.microsoft.com/office/powerpoint/2010/main" val="2754933686"/>
+        <p14:creationId xmlns:p14="http://schemas.microsoft.com/office/powerpoint/2010/main" val="4116503194"/>
       </p:ext>
     </p:extLst>
   </p:cSld>
@@ -1922,8 +1922,8 @@
         </p:nvSpPr>
         <p:spPr>
           <a:xfrm>
-            <a:off x="622406" y="249555"/>
-            <a:ext cx="2914361" cy="873443"/>
+            <a:off x="729020" y="249555"/>
+            <a:ext cx="3413571" cy="873443"/>
           </a:xfrm>
         </p:spPr>
         <p:txBody>
@@ -1954,8 +1954,8 @@
         </p:nvSpPr>
         <p:spPr>
           <a:xfrm>
-            <a:off x="3841498" y="538970"/>
-            <a:ext cx="4574500" cy="2660187"/>
+            <a:off x="4499520" y="538970"/>
+            <a:ext cx="5358081" cy="2660187"/>
           </a:xfrm>
         </p:spPr>
         <p:txBody>
@@ -2039,8 +2039,8 @@
         </p:nvSpPr>
         <p:spPr>
           <a:xfrm>
-            <a:off x="622406" y="1122997"/>
-            <a:ext cx="2914361" cy="2080492"/>
+            <a:off x="729020" y="1122997"/>
+            <a:ext cx="3413571" cy="2080492"/>
           </a:xfrm>
         </p:spPr>
         <p:txBody>
@@ -2109,7 +2109,7 @@
           <a:p>
             <a:fld id="{99094E45-2CAF-4FEC-887A-A540D8B20178}" type="datetimeFigureOut">
               <a:rPr lang="zh-CN" altLang="en-US" smtClean="0"/>
-              <a:t>2019/2/28</a:t>
+              <a:t>2019/4/3</a:t>
             </a:fld>
             <a:endParaRPr lang="zh-CN" altLang="en-US"/>
           </a:p>
@@ -2160,7 +2160,7 @@
     </p:spTree>
     <p:extLst>
       <p:ext uri="{BB962C8B-B14F-4D97-AF65-F5344CB8AC3E}">
-        <p14:creationId xmlns:p14="http://schemas.microsoft.com/office/powerpoint/2010/main" val="2612788504"/>
+        <p14:creationId xmlns:p14="http://schemas.microsoft.com/office/powerpoint/2010/main" val="2449563385"/>
       </p:ext>
     </p:extLst>
   </p:cSld>
@@ -2199,8 +2199,8 @@
         </p:nvSpPr>
         <p:spPr>
           <a:xfrm>
-            <a:off x="622406" y="249555"/>
-            <a:ext cx="2914361" cy="873443"/>
+            <a:off x="729020" y="249555"/>
+            <a:ext cx="3413571" cy="873443"/>
           </a:xfrm>
         </p:spPr>
         <p:txBody>
@@ -2231,8 +2231,8 @@
         </p:nvSpPr>
         <p:spPr>
           <a:xfrm>
-            <a:off x="3841498" y="538970"/>
-            <a:ext cx="4574500" cy="2660187"/>
+            <a:off x="4499520" y="538970"/>
+            <a:ext cx="5358081" cy="2660187"/>
           </a:xfrm>
         </p:spPr>
         <p:txBody>
@@ -2296,8 +2296,8 @@
         </p:nvSpPr>
         <p:spPr>
           <a:xfrm>
-            <a:off x="622406" y="1122997"/>
-            <a:ext cx="2914361" cy="2080492"/>
+            <a:off x="729020" y="1122997"/>
+            <a:ext cx="3413571" cy="2080492"/>
           </a:xfrm>
         </p:spPr>
         <p:txBody>
@@ -2366,7 +2366,7 @@
           <a:p>
             <a:fld id="{99094E45-2CAF-4FEC-887A-A540D8B20178}" type="datetimeFigureOut">
               <a:rPr lang="zh-CN" altLang="en-US" smtClean="0"/>
-              <a:t>2019/2/28</a:t>
+              <a:t>2019/4/3</a:t>
             </a:fld>
             <a:endParaRPr lang="zh-CN" altLang="en-US"/>
           </a:p>
@@ -2417,7 +2417,7 @@
     </p:spTree>
     <p:extLst>
       <p:ext uri="{BB962C8B-B14F-4D97-AF65-F5344CB8AC3E}">
-        <p14:creationId xmlns:p14="http://schemas.microsoft.com/office/powerpoint/2010/main" val="1466987220"/>
+        <p14:creationId xmlns:p14="http://schemas.microsoft.com/office/powerpoint/2010/main" val="3170665975"/>
       </p:ext>
     </p:extLst>
   </p:cSld>
@@ -2461,8 +2461,8 @@
         </p:nvSpPr>
         <p:spPr>
           <a:xfrm>
-            <a:off x="621229" y="199298"/>
-            <a:ext cx="7793593" cy="723536"/>
+            <a:off x="727641" y="199298"/>
+            <a:ext cx="9128582" cy="723536"/>
           </a:xfrm>
           <a:prstGeom prst="rect">
             <a:avLst/>
@@ -2494,8 +2494,8 @@
         </p:nvSpPr>
         <p:spPr>
           <a:xfrm>
-            <a:off x="621229" y="996487"/>
-            <a:ext cx="7793593" cy="2375105"/>
+            <a:off x="727641" y="996487"/>
+            <a:ext cx="9128582" cy="2375105"/>
           </a:xfrm>
           <a:prstGeom prst="rect">
             <a:avLst/>
@@ -2556,8 +2556,8 @@
         </p:nvSpPr>
         <p:spPr>
           <a:xfrm>
-            <a:off x="621229" y="3469508"/>
-            <a:ext cx="2033111" cy="199297"/>
+            <a:off x="727641" y="3469508"/>
+            <a:ext cx="2381369" cy="199297"/>
           </a:xfrm>
           <a:prstGeom prst="rect">
             <a:avLst/>
@@ -2579,7 +2579,7 @@
           <a:p>
             <a:fld id="{99094E45-2CAF-4FEC-887A-A540D8B20178}" type="datetimeFigureOut">
               <a:rPr lang="zh-CN" altLang="en-US" smtClean="0"/>
-              <a:t>2019/2/28</a:t>
+              <a:t>2019/4/3</a:t>
             </a:fld>
             <a:endParaRPr lang="zh-CN" altLang="en-US"/>
           </a:p>
@@ -2597,8 +2597,8 @@
         </p:nvSpPr>
         <p:spPr>
           <a:xfrm>
-            <a:off x="2993192" y="3469508"/>
-            <a:ext cx="3049667" cy="199297"/>
+            <a:off x="3505905" y="3469508"/>
+            <a:ext cx="3572054" cy="199297"/>
           </a:xfrm>
           <a:prstGeom prst="rect">
             <a:avLst/>
@@ -2634,8 +2634,8 @@
         </p:nvSpPr>
         <p:spPr>
           <a:xfrm>
-            <a:off x="6381710" y="3469508"/>
-            <a:ext cx="2033111" cy="199297"/>
+            <a:off x="7474853" y="3469508"/>
+            <a:ext cx="2381369" cy="199297"/>
           </a:xfrm>
           <a:prstGeom prst="rect">
             <a:avLst/>
@@ -2666,23 +2666,23 @@
     </p:spTree>
     <p:extLst>
       <p:ext uri="{BB962C8B-B14F-4D97-AF65-F5344CB8AC3E}">
-        <p14:creationId xmlns:p14="http://schemas.microsoft.com/office/powerpoint/2010/main" val="3308815566"/>
+        <p14:creationId xmlns:p14="http://schemas.microsoft.com/office/powerpoint/2010/main" val="3537936327"/>
       </p:ext>
     </p:extLst>
   </p:cSld>
   <p:clrMap bg1="lt1" tx1="dk1" bg2="lt2" tx2="dk2" accent1="accent1" accent2="accent2" accent3="accent3" accent4="accent4" accent5="accent5" accent6="accent6" hlink="hlink" folHlink="folHlink"/>
   <p:sldLayoutIdLst>
-    <p:sldLayoutId id="2147483661" r:id="rId1"/>
-    <p:sldLayoutId id="2147483662" r:id="rId2"/>
-    <p:sldLayoutId id="2147483663" r:id="rId3"/>
-    <p:sldLayoutId id="2147483664" r:id="rId4"/>
-    <p:sldLayoutId id="2147483665" r:id="rId5"/>
-    <p:sldLayoutId id="2147483666" r:id="rId6"/>
-    <p:sldLayoutId id="2147483667" r:id="rId7"/>
-    <p:sldLayoutId id="2147483668" r:id="rId8"/>
-    <p:sldLayoutId id="2147483669" r:id="rId9"/>
-    <p:sldLayoutId id="2147483670" r:id="rId10"/>
-    <p:sldLayoutId id="2147483671" r:id="rId11"/>
+    <p:sldLayoutId id="2147483697" r:id="rId1"/>
+    <p:sldLayoutId id="2147483698" r:id="rId2"/>
+    <p:sldLayoutId id="2147483699" r:id="rId3"/>
+    <p:sldLayoutId id="2147483700" r:id="rId4"/>
+    <p:sldLayoutId id="2147483701" r:id="rId5"/>
+    <p:sldLayoutId id="2147483702" r:id="rId6"/>
+    <p:sldLayoutId id="2147483703" r:id="rId7"/>
+    <p:sldLayoutId id="2147483704" r:id="rId8"/>
+    <p:sldLayoutId id="2147483705" r:id="rId9"/>
+    <p:sldLayoutId id="2147483706" r:id="rId10"/>
+    <p:sldLayoutId id="2147483707" r:id="rId11"/>
   </p:sldLayoutIdLst>
   <p:txStyles>
     <p:titleStyle>
@@ -2986,10 +2986,10 @@
       </p:grpSpPr>
       <p:grpSp>
         <p:nvGrpSpPr>
-          <p:cNvPr id="98" name="组合 97">
+          <p:cNvPr id="9" name="组合 8">
             <a:extLst>
               <a:ext uri="{FF2B5EF4-FFF2-40B4-BE49-F238E27FC236}">
-                <a16:creationId xmlns:a16="http://schemas.microsoft.com/office/drawing/2014/main" id="{9E1F48EA-7EC9-4FC3-9475-00147CDF9840}"/>
+                <a16:creationId xmlns:a16="http://schemas.microsoft.com/office/drawing/2014/main" id="{16132E53-CF19-48CB-81AF-7233B1A22861}"/>
               </a:ext>
             </a:extLst>
           </p:cNvPr>
@@ -2998,10 +2998,10 @@
         </p:nvGrpSpPr>
         <p:grpSpPr>
           <a:xfrm>
-            <a:off x="7938" y="9525"/>
-            <a:ext cx="9020175" cy="3724275"/>
-            <a:chOff x="1743075" y="933450"/>
-            <a:chExt cx="9020175" cy="3724275"/>
+            <a:off x="24834" y="9527"/>
+            <a:ext cx="10534197" cy="3724274"/>
+            <a:chOff x="1585915" y="1566867"/>
+            <a:chExt cx="10534198" cy="3724275"/>
           </a:xfrm>
         </p:grpSpPr>
         <p:grpSp>
@@ -3018,10 +3018,10 @@
           </p:nvGrpSpPr>
           <p:grpSpPr>
             <a:xfrm>
-              <a:off x="2219215" y="2422198"/>
-              <a:ext cx="806653" cy="931831"/>
+              <a:off x="2062057" y="3055615"/>
+              <a:ext cx="795795" cy="930050"/>
               <a:chOff x="1804010" y="2790825"/>
-              <a:chExt cx="785083" cy="914606"/>
+              <a:chExt cx="774515" cy="912858"/>
             </a:xfrm>
           </p:grpSpPr>
           <p:pic>
@@ -3075,7 +3075,7 @@
             <p:spPr>
               <a:xfrm>
                 <a:off x="1804010" y="3362324"/>
-                <a:ext cx="785083" cy="343107"/>
+                <a:ext cx="774515" cy="341359"/>
               </a:xfrm>
               <a:prstGeom prst="rect">
                 <a:avLst/>
@@ -3116,8 +3116,8 @@
             <p:nvPr/>
           </p:nvCxnSpPr>
           <p:spPr>
-            <a:xfrm rot="-1800000">
-              <a:off x="2962350" y="2590439"/>
+            <a:xfrm rot="19800000">
+              <a:off x="2805191" y="3223856"/>
               <a:ext cx="898814" cy="0"/>
             </a:xfrm>
             <a:prstGeom prst="straightConnector1">
@@ -3161,7 +3161,7 @@
           </p:nvCxnSpPr>
           <p:spPr>
             <a:xfrm rot="1800000">
-              <a:off x="2968941" y="3039846"/>
+              <a:off x="2811782" y="3673263"/>
               <a:ext cx="898814" cy="0"/>
             </a:xfrm>
             <a:prstGeom prst="straightConnector1">
@@ -3217,7 +3217,7 @@
           </p:blipFill>
           <p:spPr>
             <a:xfrm>
-              <a:off x="3681374" y="1916328"/>
+              <a:off x="3524215" y="2549745"/>
               <a:ext cx="1105381" cy="828000"/>
             </a:xfrm>
             <a:prstGeom prst="rect">
@@ -3253,7 +3253,7 @@
           </p:blipFill>
           <p:spPr>
             <a:xfrm>
-              <a:off x="3812236" y="2873918"/>
+              <a:off x="3655077" y="3507335"/>
               <a:ext cx="781264" cy="781264"/>
             </a:xfrm>
             <a:prstGeom prst="rect">
@@ -3275,7 +3275,7 @@
           </p:nvSpPr>
           <p:spPr>
             <a:xfrm>
-              <a:off x="3325482" y="1667326"/>
+              <a:off x="3168323" y="2300743"/>
               <a:ext cx="1817164" cy="307777"/>
             </a:xfrm>
             <a:prstGeom prst="rect">
@@ -3299,10 +3299,10 @@
             </a:lstStyle>
             <a:p>
               <a:r>
-                <a:rPr lang="en-US" altLang="zh-CN" sz="1399" dirty="0"/>
+                <a:rPr lang="en-US" altLang="zh-CN" sz="1400" dirty="0"/>
                 <a:t>Code Change Data</a:t>
               </a:r>
-              <a:endParaRPr lang="zh-CN" altLang="en-US" sz="1399" dirty="0"/>
+              <a:endParaRPr lang="zh-CN" altLang="en-US" sz="1400" dirty="0"/>
             </a:p>
           </p:txBody>
         </p:sp>
@@ -3320,7 +3320,7 @@
           </p:nvSpPr>
           <p:spPr>
             <a:xfrm>
-              <a:off x="3347537" y="3655182"/>
+              <a:off x="3190377" y="4288599"/>
               <a:ext cx="1768626" cy="307777"/>
             </a:xfrm>
             <a:prstGeom prst="rect">
@@ -3344,10 +3344,10 @@
             </a:lstStyle>
             <a:p>
               <a:r>
-                <a:rPr lang="en-US" altLang="zh-CN" sz="1399" dirty="0"/>
+                <a:rPr lang="en-US" altLang="zh-CN" dirty="0"/>
                 <a:t>Code Review Data</a:t>
               </a:r>
-              <a:endParaRPr lang="zh-CN" altLang="en-US" sz="1399" dirty="0"/>
+              <a:endParaRPr lang="zh-CN" altLang="en-US" dirty="0"/>
             </a:p>
           </p:txBody>
         </p:sp>
@@ -3367,7 +3367,7 @@
           </p:nvCxnSpPr>
           <p:spPr>
             <a:xfrm rot="1800000">
-              <a:off x="4533291" y="2605143"/>
+              <a:off x="4376132" y="3238560"/>
               <a:ext cx="898814" cy="0"/>
             </a:xfrm>
             <a:prstGeom prst="straightConnector1">
@@ -3410,8 +3410,8 @@
             <p:nvPr/>
           </p:nvCxnSpPr>
           <p:spPr>
-            <a:xfrm rot="-1800000">
-              <a:off x="4541264" y="3039846"/>
+            <a:xfrm rot="19800000">
+              <a:off x="4384105" y="3673263"/>
               <a:ext cx="898814" cy="0"/>
             </a:xfrm>
             <a:prstGeom prst="straightConnector1">
@@ -3453,7 +3453,7 @@
           </p:nvSpPr>
           <p:spPr>
             <a:xfrm>
-              <a:off x="5445570" y="1667326"/>
+              <a:off x="5288411" y="2300743"/>
               <a:ext cx="1793430" cy="2325042"/>
             </a:xfrm>
             <a:prstGeom prst="rect">
@@ -3492,7 +3492,7 @@
             <a:lstStyle/>
             <a:p>
               <a:pPr algn="ctr"/>
-              <a:endParaRPr lang="zh-CN" altLang="en-US" sz="1811"/>
+              <a:endParaRPr lang="zh-CN" altLang="en-US" sz="1810"/>
             </a:p>
           </p:txBody>
         </p:sp>
@@ -3510,7 +3510,7 @@
           </p:nvSpPr>
           <p:spPr>
             <a:xfrm>
-              <a:off x="5443814" y="1740209"/>
+              <a:off x="5286655" y="2373626"/>
               <a:ext cx="1792991" cy="307777"/>
             </a:xfrm>
             <a:prstGeom prst="rect">
@@ -3534,10 +3534,10 @@
             </a:lstStyle>
             <a:p>
               <a:r>
-                <a:rPr lang="en-US" altLang="zh-CN" sz="1399" dirty="0"/>
+                <a:rPr lang="en-US" altLang="zh-CN" dirty="0"/>
                 <a:t>Feature Extraction</a:t>
               </a:r>
-              <a:endParaRPr lang="zh-CN" altLang="en-US" sz="1399" dirty="0"/>
+              <a:endParaRPr lang="zh-CN" altLang="en-US" dirty="0"/>
             </a:p>
           </p:txBody>
         </p:sp>
@@ -3555,10 +3555,10 @@
           </p:nvGrpSpPr>
           <p:grpSpPr>
             <a:xfrm>
-              <a:off x="5515960" y="2102746"/>
-              <a:ext cx="1698270" cy="524272"/>
+              <a:off x="5358804" y="2736163"/>
+              <a:ext cx="1698272" cy="524402"/>
               <a:chOff x="5300366" y="2383914"/>
-              <a:chExt cx="1632903" cy="516505"/>
+              <a:chExt cx="1632904" cy="516633"/>
             </a:xfrm>
           </p:grpSpPr>
           <p:sp>
@@ -3575,8 +3575,8 @@
             </p:nvSpPr>
             <p:spPr>
               <a:xfrm>
-                <a:off x="5300366" y="2650392"/>
-                <a:ext cx="1578603" cy="250027"/>
+                <a:off x="5300366" y="2650393"/>
+                <a:ext cx="1581685" cy="250154"/>
               </a:xfrm>
               <a:prstGeom prst="rect">
                 <a:avLst/>
@@ -3599,10 +3599,10 @@
               </a:lstStyle>
               <a:p>
                 <a:r>
-                  <a:rPr lang="en-US" altLang="zh-CN" sz="1049" dirty="0"/>
+                  <a:rPr lang="en-US" altLang="zh-CN" sz="1050" dirty="0"/>
                   <a:t>Review Meta-Features</a:t>
                 </a:r>
-                <a:endParaRPr lang="zh-CN" altLang="en-US" sz="1049" dirty="0"/>
+                <a:endParaRPr lang="zh-CN" altLang="en-US" sz="1050" dirty="0"/>
               </a:p>
             </p:txBody>
           </p:sp>
@@ -3656,7 +3656,7 @@
               <a:lstStyle/>
               <a:p>
                 <a:pPr algn="ctr"/>
-                <a:endParaRPr lang="zh-CN" altLang="en-US" sz="2058"/>
+                <a:endParaRPr lang="zh-CN" altLang="en-US" sz="2057"/>
               </a:p>
             </p:txBody>
           </p:sp>
@@ -3708,7 +3708,7 @@
               <a:lstStyle/>
               <a:p>
                 <a:pPr algn="ctr"/>
-                <a:endParaRPr lang="zh-CN" altLang="en-US" sz="2058"/>
+                <a:endParaRPr lang="zh-CN" altLang="en-US" sz="2057"/>
               </a:p>
             </p:txBody>
           </p:sp>
@@ -3972,7 +3972,7 @@
             </p:nvSpPr>
             <p:spPr>
               <a:xfrm>
-                <a:off x="6601581" y="2383914"/>
+                <a:off x="6601582" y="2383914"/>
                 <a:ext cx="331688" cy="279592"/>
               </a:xfrm>
               <a:prstGeom prst="rect">
@@ -4015,7 +4015,7 @@
             </p:nvSpPr>
             <p:spPr>
               <a:xfrm>
-                <a:off x="5314423" y="2413712"/>
+                <a:off x="5314425" y="2413711"/>
                 <a:ext cx="285449" cy="310923"/>
               </a:xfrm>
               <a:prstGeom prst="rect">
@@ -4058,7 +4058,7 @@
             </p:nvSpPr>
             <p:spPr>
               <a:xfrm>
-                <a:off x="5539262" y="2413712"/>
+                <a:off x="5539263" y="2413711"/>
                 <a:ext cx="285449" cy="310923"/>
               </a:xfrm>
               <a:prstGeom prst="rect">
@@ -4107,7 +4107,7 @@
             </p:nvSpPr>
             <p:spPr>
               <a:xfrm>
-                <a:off x="5751827" y="2413712"/>
+                <a:off x="5751829" y="2413711"/>
                 <a:ext cx="285449" cy="310923"/>
               </a:xfrm>
               <a:prstGeom prst="rect">
@@ -4150,7 +4150,7 @@
             </p:nvSpPr>
             <p:spPr>
               <a:xfrm>
-                <a:off x="5975058" y="2413712"/>
+                <a:off x="5975057" y="2413711"/>
                 <a:ext cx="285449" cy="310923"/>
               </a:xfrm>
               <a:prstGeom prst="rect">
@@ -4193,7 +4193,7 @@
             </p:nvSpPr>
             <p:spPr>
               <a:xfrm>
-                <a:off x="6190565" y="2413712"/>
+                <a:off x="6190566" y="2413711"/>
                 <a:ext cx="285449" cy="310923"/>
               </a:xfrm>
               <a:prstGeom prst="rect">
@@ -4236,7 +4236,7 @@
             </p:nvSpPr>
             <p:spPr>
               <a:xfrm>
-                <a:off x="6409964" y="2413712"/>
+                <a:off x="6409963" y="2413711"/>
                 <a:ext cx="285449" cy="310923"/>
               </a:xfrm>
               <a:prstGeom prst="rect">
@@ -4280,10 +4280,10 @@
           </p:nvGrpSpPr>
           <p:grpSpPr>
             <a:xfrm>
-              <a:off x="5450722" y="2722225"/>
-              <a:ext cx="1771639" cy="501570"/>
+              <a:off x="5293561" y="3355642"/>
+              <a:ext cx="1771639" cy="501634"/>
               <a:chOff x="5228787" y="3436203"/>
-              <a:chExt cx="1765227" cy="501440"/>
+              <a:chExt cx="1765228" cy="501504"/>
             </a:xfrm>
           </p:grpSpPr>
           <p:sp>
@@ -4300,8 +4300,8 @@
             </p:nvSpPr>
             <p:spPr>
               <a:xfrm>
-                <a:off x="5228787" y="3683856"/>
-                <a:ext cx="1765227" cy="253787"/>
+                <a:off x="5228787" y="3683857"/>
+                <a:ext cx="1765228" cy="253850"/>
               </a:xfrm>
               <a:prstGeom prst="rect">
                 <a:avLst/>
@@ -4324,10 +4324,10 @@
               </a:lstStyle>
               <a:p>
                 <a:r>
-                  <a:rPr lang="en-US" altLang="zh-CN" sz="1049" dirty="0"/>
+                  <a:rPr lang="en-US" altLang="zh-CN" dirty="0"/>
                   <a:t>Code Coupling Features</a:t>
                 </a:r>
-                <a:endParaRPr lang="zh-CN" altLang="en-US" sz="1049" dirty="0"/>
+                <a:endParaRPr lang="zh-CN" altLang="en-US" dirty="0"/>
               </a:p>
             </p:txBody>
           </p:sp>
@@ -4381,7 +4381,7 @@
               <a:lstStyle/>
               <a:p>
                 <a:pPr algn="ctr"/>
-                <a:endParaRPr lang="zh-CN" altLang="en-US" sz="2058"/>
+                <a:endParaRPr lang="zh-CN" altLang="en-US" sz="2057"/>
               </a:p>
             </p:txBody>
           </p:sp>
@@ -4433,7 +4433,7 @@
               <a:lstStyle/>
               <a:p>
                 <a:pPr algn="ctr"/>
-                <a:endParaRPr lang="zh-CN" altLang="en-US" sz="2058"/>
+                <a:endParaRPr lang="zh-CN" altLang="en-US" sz="2057"/>
               </a:p>
             </p:txBody>
           </p:sp>
@@ -4697,8 +4697,8 @@
             </p:nvSpPr>
             <p:spPr>
               <a:xfrm>
-                <a:off x="6588600" y="3436203"/>
-                <a:ext cx="344966" cy="283796"/>
+                <a:off x="6589224" y="3436203"/>
+                <a:ext cx="343718" cy="283722"/>
               </a:xfrm>
               <a:prstGeom prst="rect">
                 <a:avLst/>
@@ -4740,8 +4740,8 @@
             </p:nvSpPr>
             <p:spPr>
               <a:xfrm>
-                <a:off x="5302368" y="3466001"/>
-                <a:ext cx="296876" cy="315599"/>
+                <a:off x="5302904" y="3466001"/>
+                <a:ext cx="295802" cy="315517"/>
               </a:xfrm>
               <a:prstGeom prst="rect">
                 <a:avLst/>
@@ -4783,8 +4783,8 @@
             </p:nvSpPr>
             <p:spPr>
               <a:xfrm>
-                <a:off x="5527208" y="3466001"/>
-                <a:ext cx="296876" cy="315599"/>
+                <a:off x="5527746" y="3466001"/>
+                <a:ext cx="295802" cy="315517"/>
               </a:xfrm>
               <a:prstGeom prst="rect">
                 <a:avLst/>
@@ -4826,8 +4826,8 @@
             </p:nvSpPr>
             <p:spPr>
               <a:xfrm>
-                <a:off x="5739772" y="3466001"/>
-                <a:ext cx="296876" cy="315599"/>
+                <a:off x="5740308" y="3466001"/>
+                <a:ext cx="295802" cy="315517"/>
               </a:xfrm>
               <a:prstGeom prst="rect">
                 <a:avLst/>
@@ -4869,8 +4869,8 @@
             </p:nvSpPr>
             <p:spPr>
               <a:xfrm>
-                <a:off x="5963003" y="3466001"/>
-                <a:ext cx="296876" cy="315599"/>
+                <a:off x="5963541" y="3466001"/>
+                <a:ext cx="295802" cy="315517"/>
               </a:xfrm>
               <a:prstGeom prst="rect">
                 <a:avLst/>
@@ -4912,8 +4912,8 @@
             </p:nvSpPr>
             <p:spPr>
               <a:xfrm>
-                <a:off x="6178512" y="3466001"/>
-                <a:ext cx="296876" cy="315599"/>
+                <a:off x="6179049" y="3466001"/>
+                <a:ext cx="295802" cy="315517"/>
               </a:xfrm>
               <a:prstGeom prst="rect">
                 <a:avLst/>
@@ -4961,8 +4961,8 @@
             </p:nvSpPr>
             <p:spPr>
               <a:xfrm>
-                <a:off x="6397907" y="3466001"/>
-                <a:ext cx="296876" cy="315599"/>
+                <a:off x="6398444" y="3466001"/>
+                <a:ext cx="295802" cy="315517"/>
               </a:xfrm>
               <a:prstGeom prst="rect">
                 <a:avLst/>
@@ -5005,10 +5005,10 @@
           </p:nvGrpSpPr>
           <p:grpSpPr>
             <a:xfrm>
-              <a:off x="5436934" y="3353832"/>
-              <a:ext cx="1821332" cy="499178"/>
+              <a:off x="5279775" y="3987250"/>
+              <a:ext cx="1821333" cy="499241"/>
               <a:chOff x="5219227" y="4484748"/>
-              <a:chExt cx="1813317" cy="499049"/>
+              <a:chExt cx="1813318" cy="499112"/>
             </a:xfrm>
           </p:grpSpPr>
           <p:sp>
@@ -5026,7 +5026,7 @@
             <p:spPr>
               <a:xfrm>
                 <a:off x="5219227" y="4730010"/>
-                <a:ext cx="1813317" cy="253787"/>
+                <a:ext cx="1813318" cy="253850"/>
               </a:xfrm>
               <a:prstGeom prst="rect">
                 <a:avLst/>
@@ -5049,10 +5049,10 @@
               </a:lstStyle>
               <a:p>
                 <a:r>
-                  <a:rPr lang="en-US" altLang="zh-CN" sz="1049" dirty="0"/>
+                  <a:rPr lang="en-US" altLang="zh-CN" dirty="0"/>
                   <a:t>Code Modifying Features</a:t>
                 </a:r>
-                <a:endParaRPr lang="zh-CN" altLang="en-US" sz="1049" dirty="0"/>
+                <a:endParaRPr lang="zh-CN" altLang="en-US" dirty="0"/>
               </a:p>
             </p:txBody>
           </p:sp>
@@ -5106,7 +5106,7 @@
               <a:lstStyle/>
               <a:p>
                 <a:pPr algn="ctr"/>
-                <a:endParaRPr lang="zh-CN" altLang="en-US" sz="2058"/>
+                <a:endParaRPr lang="zh-CN" altLang="en-US" sz="2057"/>
               </a:p>
             </p:txBody>
           </p:sp>
@@ -5158,7 +5158,7 @@
               <a:lstStyle/>
               <a:p>
                 <a:pPr algn="ctr"/>
-                <a:endParaRPr lang="zh-CN" altLang="en-US" sz="2058"/>
+                <a:endParaRPr lang="zh-CN" altLang="en-US" sz="2057"/>
               </a:p>
             </p:txBody>
           </p:sp>
@@ -5422,8 +5422,8 @@
             </p:nvSpPr>
             <p:spPr>
               <a:xfrm>
-                <a:off x="6592826" y="4484748"/>
-                <a:ext cx="344966" cy="283796"/>
+                <a:off x="6593584" y="4484748"/>
+                <a:ext cx="343448" cy="283723"/>
               </a:xfrm>
               <a:prstGeom prst="rect">
                 <a:avLst/>
@@ -5465,8 +5465,8 @@
             </p:nvSpPr>
             <p:spPr>
               <a:xfrm>
-                <a:off x="5306596" y="4514546"/>
-                <a:ext cx="296876" cy="315599"/>
+                <a:off x="5307250" y="4514546"/>
+                <a:ext cx="295570" cy="315518"/>
               </a:xfrm>
               <a:prstGeom prst="rect">
                 <a:avLst/>
@@ -5508,8 +5508,8 @@
             </p:nvSpPr>
             <p:spPr>
               <a:xfrm>
-                <a:off x="5531436" y="4514546"/>
-                <a:ext cx="296876" cy="315599"/>
+                <a:off x="5532090" y="4514546"/>
+                <a:ext cx="295570" cy="315518"/>
               </a:xfrm>
               <a:prstGeom prst="rect">
                 <a:avLst/>
@@ -5551,8 +5551,8 @@
             </p:nvSpPr>
             <p:spPr>
               <a:xfrm>
-                <a:off x="5751241" y="4514546"/>
-                <a:ext cx="296876" cy="315599"/>
+                <a:off x="5751895" y="4514546"/>
+                <a:ext cx="295570" cy="315518"/>
               </a:xfrm>
               <a:prstGeom prst="rect">
                 <a:avLst/>
@@ -5600,8 +5600,8 @@
             </p:nvSpPr>
             <p:spPr>
               <a:xfrm>
-                <a:off x="5967231" y="4514546"/>
-                <a:ext cx="296876" cy="315599"/>
+                <a:off x="5967884" y="4514546"/>
+                <a:ext cx="295570" cy="315518"/>
               </a:xfrm>
               <a:prstGeom prst="rect">
                 <a:avLst/>
@@ -5643,8 +5643,8 @@
             </p:nvSpPr>
             <p:spPr>
               <a:xfrm>
-                <a:off x="6173084" y="4514546"/>
-                <a:ext cx="296876" cy="315599"/>
+                <a:off x="6173738" y="4514546"/>
+                <a:ext cx="295570" cy="315518"/>
               </a:xfrm>
               <a:prstGeom prst="rect">
                 <a:avLst/>
@@ -5686,8 +5686,8 @@
             </p:nvSpPr>
             <p:spPr>
               <a:xfrm>
-                <a:off x="6402133" y="4514546"/>
-                <a:ext cx="296876" cy="315599"/>
+                <a:off x="6402788" y="4514546"/>
+                <a:ext cx="295570" cy="315518"/>
               </a:xfrm>
               <a:prstGeom prst="rect">
                 <a:avLst/>
@@ -5732,7 +5732,7 @@
           </p:nvCxnSpPr>
           <p:spPr>
             <a:xfrm flipV="1">
-              <a:off x="7268640" y="2873918"/>
+              <a:off x="7111481" y="3507335"/>
               <a:ext cx="730496" cy="482"/>
             </a:xfrm>
             <a:prstGeom prst="straightConnector1">
@@ -5774,7 +5774,7 @@
           </p:nvSpPr>
           <p:spPr>
             <a:xfrm>
-              <a:off x="2047875" y="1390650"/>
+              <a:off x="1890716" y="2024067"/>
               <a:ext cx="5581650" cy="2903564"/>
             </a:xfrm>
             <a:prstGeom prst="rect">
@@ -5816,7 +5816,7 @@
             <a:lstStyle/>
             <a:p>
               <a:pPr algn="ctr"/>
-              <a:endParaRPr lang="zh-CN" altLang="en-US" sz="1811"/>
+              <a:endParaRPr lang="zh-CN" altLang="en-US" sz="1810"/>
             </a:p>
           </p:txBody>
         </p:sp>
@@ -5834,7 +5834,7 @@
           </p:nvSpPr>
           <p:spPr>
             <a:xfrm>
-              <a:off x="7893668" y="3154429"/>
+              <a:off x="7736509" y="3787846"/>
               <a:ext cx="883896" cy="307777"/>
             </a:xfrm>
             <a:prstGeom prst="rect">
@@ -5858,10 +5858,10 @@
             </a:lstStyle>
             <a:p>
               <a:r>
-                <a:rPr lang="en-US" altLang="zh-CN" sz="1399" dirty="0" err="1"/>
+                <a:rPr lang="en-US" altLang="zh-CN" dirty="0" err="1"/>
                 <a:t>DataSet</a:t>
               </a:r>
-              <a:endParaRPr lang="zh-CN" altLang="en-US" sz="1399" dirty="0"/>
+              <a:endParaRPr lang="zh-CN" altLang="en-US" dirty="0"/>
             </a:p>
           </p:txBody>
         </p:sp>
@@ -5881,7 +5881,7 @@
           </p:nvCxnSpPr>
           <p:spPr>
             <a:xfrm>
-              <a:off x="8677898" y="2893529"/>
+              <a:off x="8520739" y="3526946"/>
               <a:ext cx="484952" cy="0"/>
             </a:xfrm>
             <a:prstGeom prst="straightConnector1">
@@ -5937,7 +5937,7 @@
           </p:blipFill>
           <p:spPr>
             <a:xfrm>
-              <a:off x="7986752" y="2517260"/>
+              <a:off x="7829593" y="3150677"/>
               <a:ext cx="697728" cy="697728"/>
             </a:xfrm>
             <a:prstGeom prst="rect">
@@ -5959,7 +5959,7 @@
           </p:nvGrpSpPr>
           <p:grpSpPr>
             <a:xfrm>
-              <a:off x="9202044" y="2500032"/>
+              <a:off x="9044885" y="3133449"/>
               <a:ext cx="1286093" cy="853800"/>
               <a:chOff x="9135369" y="2500032"/>
               <a:chExt cx="1286093" cy="853800"/>
@@ -6003,22 +6003,22 @@
               </a:lstStyle>
               <a:p>
                 <a:r>
-                  <a:rPr lang="en-US" altLang="zh-CN" sz="1399" dirty="0"/>
+                  <a:rPr lang="en-US" altLang="zh-CN" dirty="0"/>
                   <a:t>Machine</a:t>
                 </a:r>
               </a:p>
               <a:p>
                 <a:r>
-                  <a:rPr lang="en-US" altLang="zh-CN" sz="1399" dirty="0"/>
+                  <a:rPr lang="en-US" altLang="zh-CN" dirty="0"/>
                   <a:t>Learning</a:t>
                 </a:r>
               </a:p>
               <a:p>
                 <a:r>
-                  <a:rPr lang="en-US" altLang="zh-CN" sz="1399" dirty="0"/>
+                  <a:rPr lang="en-US" altLang="zh-CN" dirty="0"/>
                   <a:t>Algorithm</a:t>
                 </a:r>
-                <a:endParaRPr lang="zh-CN" altLang="en-US" sz="1399" dirty="0"/>
+                <a:endParaRPr lang="zh-CN" altLang="en-US" dirty="0"/>
               </a:p>
             </p:txBody>
           </p:sp>
@@ -6111,7 +6111,7 @@
               <a:lstStyle/>
               <a:p>
                 <a:pPr algn="ctr"/>
-                <a:endParaRPr lang="zh-CN" altLang="en-US" sz="1811"/>
+                <a:endParaRPr lang="zh-CN" altLang="en-US" sz="1810"/>
               </a:p>
             </p:txBody>
           </p:sp>
@@ -6130,8 +6130,8 @@
           </p:nvSpPr>
           <p:spPr>
             <a:xfrm>
-              <a:off x="1743075" y="933450"/>
-              <a:ext cx="9020175" cy="3724275"/>
+              <a:off x="1585915" y="1566867"/>
+              <a:ext cx="10534198" cy="3724275"/>
             </a:xfrm>
             <a:prstGeom prst="rect">
               <a:avLst/>
@@ -6160,7 +6160,7 @@
             </a:fontRef>
           </p:style>
           <p:txBody>
-            <a:bodyPr rot="0" spcFirstLastPara="0" vertOverflow="overflow" horzOverflow="overflow" vert="horz" wrap="square" lIns="91440" tIns="45720" rIns="91440" bIns="45720" numCol="1" spcCol="0" rtlCol="0" fromWordArt="0" anchor="ctr" anchorCtr="0" forceAA="0" compatLnSpc="1">
+            <a:bodyPr rot="0" spcFirstLastPara="0" vertOverflow="overflow" horzOverflow="overflow" vert="horz" wrap="square" lIns="91440" tIns="45719" rIns="91440" bIns="45719" numCol="1" spcCol="0" rtlCol="0" fromWordArt="0" anchor="ctr" anchorCtr="0" forceAA="0" compatLnSpc="1">
               <a:prstTxWarp prst="textNoShape">
                 <a:avLst/>
               </a:prstTxWarp>
@@ -6170,6 +6170,131 @@
             <a:p>
               <a:pPr algn="ctr"/>
               <a:endParaRPr lang="zh-CN" altLang="en-US"/>
+            </a:p>
+          </p:txBody>
+        </p:sp>
+        <p:pic>
+          <p:nvPicPr>
+            <p:cNvPr id="3" name="图片 2">
+              <a:extLst>
+                <a:ext uri="{FF2B5EF4-FFF2-40B4-BE49-F238E27FC236}">
+                  <a16:creationId xmlns:a16="http://schemas.microsoft.com/office/drawing/2014/main" id="{27C6E4A6-B1BB-4906-BECB-BF832CAAF135}"/>
+                </a:ext>
+              </a:extLst>
+            </p:cNvPr>
+            <p:cNvPicPr>
+              <a:picLocks noChangeAspect="1"/>
+            </p:cNvPicPr>
+            <p:nvPr/>
+          </p:nvPicPr>
+          <p:blipFill>
+            <a:blip r:embed="rId7">
+              <a:extLst>
+                <a:ext uri="{28A0092B-C50C-407E-A947-70E740481C1C}">
+                  <a14:useLocalDpi xmlns:a14="http://schemas.microsoft.com/office/drawing/2010/main" val="0"/>
+                </a:ext>
+              </a:extLst>
+            </a:blip>
+            <a:stretch>
+              <a:fillRect/>
+            </a:stretch>
+          </p:blipFill>
+          <p:spPr>
+            <a:xfrm>
+              <a:off x="10997111" y="3240797"/>
+              <a:ext cx="556364" cy="556364"/>
+            </a:xfrm>
+            <a:prstGeom prst="rect">
+              <a:avLst/>
+            </a:prstGeom>
+          </p:spPr>
+        </p:pic>
+        <p:cxnSp>
+          <p:nvCxnSpPr>
+            <p:cNvPr id="83" name="直接箭头连接符 82">
+              <a:extLst>
+                <a:ext uri="{FF2B5EF4-FFF2-40B4-BE49-F238E27FC236}">
+                  <a16:creationId xmlns:a16="http://schemas.microsoft.com/office/drawing/2014/main" id="{9DAF7A9C-D093-446D-933F-62446CAB1210}"/>
+                </a:ext>
+              </a:extLst>
+            </p:cNvPr>
+            <p:cNvCxnSpPr>
+              <a:cxnSpLocks/>
+            </p:cNvCxnSpPr>
+            <p:nvPr/>
+          </p:nvCxnSpPr>
+          <p:spPr>
+            <a:xfrm>
+              <a:off x="10400593" y="3526946"/>
+              <a:ext cx="484952" cy="0"/>
+            </a:xfrm>
+            <a:prstGeom prst="straightConnector1">
+              <a:avLst/>
+            </a:prstGeom>
+            <a:ln w="19050">
+              <a:solidFill>
+                <a:schemeClr val="tx1"/>
+              </a:solidFill>
+              <a:tailEnd type="triangle"/>
+            </a:ln>
+          </p:spPr>
+          <p:style>
+            <a:lnRef idx="1">
+              <a:schemeClr val="accent1"/>
+            </a:lnRef>
+            <a:fillRef idx="0">
+              <a:schemeClr val="accent1"/>
+            </a:fillRef>
+            <a:effectRef idx="0">
+              <a:schemeClr val="accent1"/>
+            </a:effectRef>
+            <a:fontRef idx="minor">
+              <a:schemeClr val="tx1"/>
+            </a:fontRef>
+          </p:style>
+        </p:cxnSp>
+        <p:sp>
+          <p:nvSpPr>
+            <p:cNvPr id="7" name="文本框 6">
+              <a:extLst>
+                <a:ext uri="{FF2B5EF4-FFF2-40B4-BE49-F238E27FC236}">
+                  <a16:creationId xmlns:a16="http://schemas.microsoft.com/office/drawing/2014/main" id="{B2641FA6-CAF3-4A06-A4E2-EFC451161E7D}"/>
+                </a:ext>
+              </a:extLst>
+            </p:cNvPr>
+            <p:cNvSpPr txBox="1"/>
+            <p:nvPr/>
+          </p:nvSpPr>
+          <p:spPr>
+            <a:xfrm>
+              <a:off x="10565296" y="3775994"/>
+              <a:ext cx="1471750" cy="307777"/>
+            </a:xfrm>
+            <a:prstGeom prst="rect">
+              <a:avLst/>
+            </a:prstGeom>
+            <a:noFill/>
+          </p:spPr>
+          <p:txBody>
+            <a:bodyPr wrap="none" rtlCol="0">
+              <a:spAutoFit/>
+            </a:bodyPr>
+            <a:lstStyle>
+              <a:defPPr>
+                <a:defRPr lang="en-US"/>
+              </a:defPPr>
+              <a:lvl1pPr>
+                <a:defRPr sz="1399">
+                  <a:latin typeface="Arial Rounded MT Bold" panose="020F0704030504030204" pitchFamily="34" charset="0"/>
+                </a:defRPr>
+              </a:lvl1pPr>
+            </a:lstStyle>
+            <a:p>
+              <a:r>
+                <a:rPr lang="en-US" altLang="zh-CN" sz="1400" dirty="0"/>
+                <a:t>Change Period</a:t>
+              </a:r>
+              <a:endParaRPr lang="zh-CN" altLang="en-US" sz="1400" dirty="0"/>
             </a:p>
           </p:txBody>
         </p:sp>
